--- a/code/html/ԭ��.pptx
+++ b/code/html/ԭ��.pptx
@@ -3641,20 +3641,20 @@
           <a:p>
             <a:pPr algn="l"/>
             <a:r>
-              <a:rPr lang="en-US" altLang="zh-CN" dirty="0" err="1" smtClean="0">
-                <a:latin typeface="Segoe UI" pitchFamily="34" charset="0"/>
-                <a:ea typeface="Segoe UI" pitchFamily="34" charset="0"/>
-                <a:cs typeface="Segoe UI" pitchFamily="34" charset="0"/>
-              </a:rPr>
-              <a:t>Chome</a:t>
-            </a:r>
-            <a:r>
               <a:rPr lang="en-US" altLang="zh-CN" dirty="0" smtClean="0">
                 <a:latin typeface="Segoe UI" pitchFamily="34" charset="0"/>
                 <a:ea typeface="Segoe UI" pitchFamily="34" charset="0"/>
                 <a:cs typeface="Segoe UI" pitchFamily="34" charset="0"/>
               </a:rPr>
-              <a:t> – EISS</a:t>
+              <a:t>Chrome </a:t>
+            </a:r>
+            <a:r>
+              <a:rPr lang="en-US" altLang="zh-CN" dirty="0" smtClean="0">
+                <a:latin typeface="Segoe UI" pitchFamily="34" charset="0"/>
+                <a:ea typeface="Segoe UI" pitchFamily="34" charset="0"/>
+                <a:cs typeface="Segoe UI" pitchFamily="34" charset="0"/>
+              </a:rPr>
+              <a:t>– EISS</a:t>
             </a:r>
             <a:r>
               <a:rPr lang="zh-CN" altLang="en-US" dirty="0" smtClean="0">
@@ -4173,8 +4173,8 @@
         </p:nvSpPr>
         <p:spPr>
           <a:xfrm>
-            <a:off x="235496" y="1772816"/>
-            <a:ext cx="8712968" cy="3816424"/>
+            <a:off x="179512" y="1700808"/>
+            <a:ext cx="8856984" cy="4464496"/>
           </a:xfrm>
           <a:prstGeom prst="rect">
             <a:avLst/>
